--- a/L1/L1.pptx
+++ b/L1/L1.pptx
@@ -218,7 +218,7 @@
           <a:p>
             <a:fld id="{E5E96972-8702-4646-9F75-00153E10148E}" type="datetimeFigureOut">
               <a:rPr lang="en-US" smtClean="0"/>
-              <a:t>9/17/2018</a:t>
+              <a:t>9/22/2018</a:t>
             </a:fld>
             <a:endParaRPr lang="en-US"/>
           </a:p>
@@ -803,7 +803,7 @@
           <a:p>
             <a:fld id="{69FFDFE3-C991-43AD-9AA8-FD6407378F06}" type="datetimeFigureOut">
               <a:rPr lang="en-US" smtClean="0"/>
-              <a:t>9/17/2018</a:t>
+              <a:t>9/22/2018</a:t>
             </a:fld>
             <a:endParaRPr lang="en-US"/>
           </a:p>
@@ -1003,7 +1003,7 @@
           <a:p>
             <a:fld id="{69FFDFE3-C991-43AD-9AA8-FD6407378F06}" type="datetimeFigureOut">
               <a:rPr lang="en-US" smtClean="0"/>
-              <a:t>9/17/2018</a:t>
+              <a:t>9/22/2018</a:t>
             </a:fld>
             <a:endParaRPr lang="en-US"/>
           </a:p>
@@ -1213,7 +1213,7 @@
           <a:p>
             <a:fld id="{69FFDFE3-C991-43AD-9AA8-FD6407378F06}" type="datetimeFigureOut">
               <a:rPr lang="en-US" smtClean="0"/>
-              <a:t>9/17/2018</a:t>
+              <a:t>9/22/2018</a:t>
             </a:fld>
             <a:endParaRPr lang="en-US"/>
           </a:p>
@@ -1413,7 +1413,7 @@
           <a:p>
             <a:fld id="{69FFDFE3-C991-43AD-9AA8-FD6407378F06}" type="datetimeFigureOut">
               <a:rPr lang="en-US" smtClean="0"/>
-              <a:t>9/17/2018</a:t>
+              <a:t>9/22/2018</a:t>
             </a:fld>
             <a:endParaRPr lang="en-US"/>
           </a:p>
@@ -1689,7 +1689,7 @@
           <a:p>
             <a:fld id="{69FFDFE3-C991-43AD-9AA8-FD6407378F06}" type="datetimeFigureOut">
               <a:rPr lang="en-US" smtClean="0"/>
-              <a:t>9/17/2018</a:t>
+              <a:t>9/22/2018</a:t>
             </a:fld>
             <a:endParaRPr lang="en-US"/>
           </a:p>
@@ -1957,7 +1957,7 @@
           <a:p>
             <a:fld id="{69FFDFE3-C991-43AD-9AA8-FD6407378F06}" type="datetimeFigureOut">
               <a:rPr lang="en-US" smtClean="0"/>
-              <a:t>9/17/2018</a:t>
+              <a:t>9/22/2018</a:t>
             </a:fld>
             <a:endParaRPr lang="en-US"/>
           </a:p>
@@ -2372,7 +2372,7 @@
           <a:p>
             <a:fld id="{69FFDFE3-C991-43AD-9AA8-FD6407378F06}" type="datetimeFigureOut">
               <a:rPr lang="en-US" smtClean="0"/>
-              <a:t>9/17/2018</a:t>
+              <a:t>9/22/2018</a:t>
             </a:fld>
             <a:endParaRPr lang="en-US"/>
           </a:p>
@@ -2514,7 +2514,7 @@
           <a:p>
             <a:fld id="{69FFDFE3-C991-43AD-9AA8-FD6407378F06}" type="datetimeFigureOut">
               <a:rPr lang="en-US" smtClean="0"/>
-              <a:t>9/17/2018</a:t>
+              <a:t>9/22/2018</a:t>
             </a:fld>
             <a:endParaRPr lang="en-US"/>
           </a:p>
@@ -2627,7 +2627,7 @@
           <a:p>
             <a:fld id="{69FFDFE3-C991-43AD-9AA8-FD6407378F06}" type="datetimeFigureOut">
               <a:rPr lang="en-US" smtClean="0"/>
-              <a:t>9/17/2018</a:t>
+              <a:t>9/22/2018</a:t>
             </a:fld>
             <a:endParaRPr lang="en-US"/>
           </a:p>
@@ -2940,7 +2940,7 @@
           <a:p>
             <a:fld id="{69FFDFE3-C991-43AD-9AA8-FD6407378F06}" type="datetimeFigureOut">
               <a:rPr lang="en-US" smtClean="0"/>
-              <a:t>9/17/2018</a:t>
+              <a:t>9/22/2018</a:t>
             </a:fld>
             <a:endParaRPr lang="en-US"/>
           </a:p>
@@ -3229,7 +3229,7 @@
           <a:p>
             <a:fld id="{69FFDFE3-C991-43AD-9AA8-FD6407378F06}" type="datetimeFigureOut">
               <a:rPr lang="en-US" smtClean="0"/>
-              <a:t>9/17/2018</a:t>
+              <a:t>9/22/2018</a:t>
             </a:fld>
             <a:endParaRPr lang="en-US"/>
           </a:p>
@@ -3472,7 +3472,7 @@
           <a:p>
             <a:fld id="{69FFDFE3-C991-43AD-9AA8-FD6407378F06}" type="datetimeFigureOut">
               <a:rPr lang="en-US" smtClean="0"/>
-              <a:t>9/17/2018</a:t>
+              <a:t>9/22/2018</a:t>
             </a:fld>
             <a:endParaRPr lang="en-US"/>
           </a:p>
@@ -5795,7 +5795,7 @@
           <a:p>
             <a:r>
               <a:rPr lang="en-US" dirty="0"/>
-              <a:t>HTML5 – Styling	format</a:t>
+              <a:t>HTML5 – Styling format</a:t>
             </a:r>
           </a:p>
         </p:txBody>
@@ -10991,13 +10991,13 @@
         </p:nvSpPr>
         <p:spPr>
           <a:xfrm>
-            <a:off x="838200" y="1825625"/>
-            <a:ext cx="10515600" cy="4874224"/>
+            <a:off x="838200" y="1525941"/>
+            <a:ext cx="10515600" cy="5173908"/>
           </a:xfrm>
         </p:spPr>
         <p:txBody>
           <a:bodyPr>
-            <a:normAutofit lnSpcReduction="10000"/>
+            <a:normAutofit fontScale="92500" lnSpcReduction="10000"/>
           </a:bodyPr>
           <a:lstStyle/>
           <a:p>
@@ -11163,6 +11163,21 @@
               <a:t>http://www.w3school.com.cn/html5/html5_reference.asp</a:t>
             </a:r>
             <a:endParaRPr lang="en-US" altLang="zh-CN" dirty="0"/>
+          </a:p>
+          <a:p>
+            <a:pPr marL="457200" lvl="1" indent="0">
+              <a:buNone/>
+            </a:pPr>
+            <a:r>
+              <a:rPr lang="en-US" altLang="zh-CN" dirty="0">
+                <a:hlinkClick r:id="rId4"/>
+              </a:rPr>
+              <a:t>https://www.runoob.com/html/html-tutorial.html</a:t>
+            </a:r>
+            <a:r>
+              <a:rPr lang="en-US" altLang="zh-CN" dirty="0"/>
+              <a:t> </a:t>
+            </a:r>
           </a:p>
           <a:p>
             <a:pPr marL="457200" lvl="1" indent="0">
